--- a/Project_presentation.pptx
+++ b/Project_presentation.pptx
@@ -36,28 +36,28 @@
   <p:notesSz cx="6858000" cy="9144000"/>
   <p:embeddedFontLst>
     <p:embeddedFont>
-      <p:font typeface="Montserrat Medium" charset="0"/>
+      <p:font typeface="Montserrat" panose="00000500000000000000" pitchFamily="2" charset="0"/>
       <p:regular r:id="rId26"/>
       <p:bold r:id="rId27"/>
       <p:italic r:id="rId28"/>
       <p:boldItalic r:id="rId29"/>
     </p:embeddedFont>
     <p:embeddedFont>
-      <p:font typeface="Roboto" charset="0"/>
+      <p:font typeface="Montserrat Medium" panose="00000600000000000000" pitchFamily="2" charset="0"/>
       <p:regular r:id="rId30"/>
       <p:bold r:id="rId31"/>
       <p:italic r:id="rId32"/>
       <p:boldItalic r:id="rId33"/>
     </p:embeddedFont>
     <p:embeddedFont>
-      <p:font typeface="Montserrat SemiBold" charset="0"/>
+      <p:font typeface="Montserrat SemiBold" panose="00000700000000000000" pitchFamily="2" charset="0"/>
       <p:regular r:id="rId34"/>
       <p:bold r:id="rId35"/>
       <p:italic r:id="rId36"/>
       <p:boldItalic r:id="rId37"/>
     </p:embeddedFont>
     <p:embeddedFont>
-      <p:font typeface="Montserrat" charset="0"/>
+      <p:font typeface="Roboto" panose="02000000000000000000" pitchFamily="2" charset="0"/>
       <p:regular r:id="rId38"/>
       <p:bold r:id="rId39"/>
       <p:italic r:id="rId40"/>
@@ -295,7 +295,7 @@
   </p:defaultTextStyle>
   <p:extLst>
     <p:ext uri="{EFAFB233-063F-42B5-8137-9DF3F51BA10A}">
-      <p15:sldGuideLst xmlns:ahyp="http://schemas.microsoft.com/office/drawing/2018/hyperlinkcolor" xmlns:p15="http://schemas.microsoft.com/office/powerpoint/2012/main" xmlns:p14="http://schemas.microsoft.com/office/powerpoint/2010/main" xmlns:com="http://schemas.openxmlformats.org/drawingml/2006/compatibility" xmlns:pvml="urn:schemas-microsoft-com:office:powerpoint" xmlns:v="urn:schemas-microsoft-com:vml" xmlns:o="urn:schemas-microsoft-com:office:office" xmlns:dgm="http://schemas.openxmlformats.org/drawingml/2006/diagram" xmlns:c="http://schemas.openxmlformats.org/drawingml/2006/chart" xmlns:mv="urn:schemas-microsoft-com:mac:vml" xmlns:mc="http://schemas.openxmlformats.org/markup-compatibility/2006" xmlns="">
+      <p15:sldGuideLst xmlns:p15="http://schemas.microsoft.com/office/powerpoint/2012/main">
         <p15:guide id="1" orient="horz" pos="1620">
           <p15:clr>
             <a:srgbClr val="A4A3A4"/>
@@ -654,11 +654,6 @@
         </p:txBody>
       </p:sp>
     </p:spTree>
-    <p:extLst>
-      <p:ext uri="{BB962C8B-B14F-4D97-AF65-F5344CB8AC3E}">
-        <p14:creationId xmlns:p14="http://schemas.microsoft.com/office/powerpoint/2010/main" val="2810080626"/>
-      </p:ext>
-    </p:extLst>
   </p:cSld>
   <p:clrMap bg1="lt1" tx1="dk1" bg2="dk2" tx2="lt2" accent1="accent1" accent2="accent2" accent3="accent3" accent4="accent4" accent5="accent5" accent6="accent6" hlink="hlink" folHlink="folHlink"/>
   <p:notesStyle>
@@ -12586,7 +12581,7 @@
         <p:spPr>
           <a:xfrm>
             <a:off x="4724375" y="1047975"/>
-            <a:ext cx="4110500" cy="3685950"/>
+            <a:ext cx="4153300" cy="3518575"/>
           </a:xfrm>
           <a:prstGeom prst="rect">
             <a:avLst/>
@@ -12764,7 +12759,7 @@
         <p:spPr>
           <a:xfrm>
             <a:off x="284975" y="1004275"/>
-            <a:ext cx="4287000" cy="4821300"/>
+            <a:ext cx="4287000" cy="5051400"/>
           </a:xfrm>
           <a:prstGeom prst="rect">
             <a:avLst/>
@@ -12956,7 +12951,7 @@
                 <a:cs typeface="Montserrat"/>
                 <a:sym typeface="Montserrat"/>
               </a:rPr>
-              <a:t>Conclusion: Client must provide proper resources  and training to the 36 policy sales channel with zero response. They must channel experience of 78 sales channel with 10% conversion rate to improve customer.</a:t>
+              <a:t>Conclusion: Client must provide proper resources  and training to the 36 policy sales channels generating zero response. They must use experience of the 78 sales channels with 10% conversion rate to improve customer.</a:t>
             </a:r>
             <a:endParaRPr sz="1300" b="1">
               <a:latin typeface="Montserrat"/>
@@ -13403,7 +13398,7 @@
                 <a:cs typeface="Montserrat"/>
                 <a:sym typeface="Montserrat"/>
               </a:rPr>
-              <a:t>Conclusion: Client must provide proper resources  and training regions where conversion rate is less than 5%. And try to expand customer base where it has more than 12% conversion in terms of positive response</a:t>
+              <a:t>Conclusion: Client must provide proper resources  and training in regions where conversion rate is less than 5%. And try to expand customer base in the regions where the company has more than 12% conversion in terms of positive response</a:t>
             </a:r>
             <a:endParaRPr sz="1300" b="1">
               <a:latin typeface="Montserrat"/>
@@ -15523,7 +15518,7 @@
         <p:spPr>
           <a:xfrm>
             <a:off x="176425" y="1316400"/>
-            <a:ext cx="3107700" cy="1723518"/>
+            <a:ext cx="3107700" cy="1877407"/>
           </a:xfrm>
           <a:prstGeom prst="rect">
             <a:avLst/>
@@ -15549,7 +15544,7 @@
               <a:buNone/>
             </a:pPr>
             <a:r>
-              <a:rPr lang="en-GB" sz="1000" b="1" dirty="0" smtClean="0">
+              <a:rPr lang="en-GB" sz="1000" b="1" dirty="0">
                 <a:latin typeface="Montserrat"/>
                 <a:ea typeface="Montserrat"/>
                 <a:cs typeface="Montserrat"/>
@@ -15557,6 +15552,43 @@
               </a:rPr>
               <a:t>Observation:</a:t>
             </a:r>
+            <a:endParaRPr sz="1000" b="1" dirty="0">
+              <a:latin typeface="Montserrat"/>
+              <a:ea typeface="Montserrat"/>
+              <a:cs typeface="Montserrat"/>
+              <a:sym typeface="Montserrat"/>
+            </a:endParaRPr>
+          </a:p>
+          <a:p>
+            <a:pPr marL="457200" lvl="0" indent="-292100" algn="l" rtl="0">
+              <a:spcBef>
+                <a:spcPts val="0"/>
+              </a:spcBef>
+              <a:spcAft>
+                <a:spcPts val="0"/>
+              </a:spcAft>
+              <a:buSzPts val="1000"/>
+              <a:buFont typeface="Montserrat"/>
+              <a:buAutoNum type="arabicPeriod"/>
+            </a:pPr>
+            <a:r>
+              <a:rPr lang="en-GB" sz="1000" b="1" dirty="0">
+                <a:latin typeface="Montserrat"/>
+                <a:ea typeface="Montserrat"/>
+                <a:cs typeface="Montserrat"/>
+                <a:sym typeface="Montserrat"/>
+              </a:rPr>
+              <a:t>Best model with highest f1 score of 87.91%, ROC_AUC score of 93.99% on test set and 98.71% on train set  is Random Forest Classifier with hyper parameter tuning using </a:t>
+            </a:r>
+            <a:r>
+              <a:rPr lang="en-GB" sz="1000" b="1" dirty="0" err="1">
+                <a:latin typeface="Montserrat"/>
+                <a:ea typeface="Montserrat"/>
+                <a:cs typeface="Montserrat"/>
+                <a:sym typeface="Montserrat"/>
+              </a:rPr>
+              <a:t>GridSearchCV</a:t>
+            </a:r>
             <a:endParaRPr lang="en-GB" sz="1000" b="1" dirty="0">
               <a:latin typeface="Montserrat"/>
               <a:ea typeface="Montserrat"/>
@@ -15565,24 +15597,17 @@
             </a:endParaRPr>
           </a:p>
           <a:p>
-            <a:pPr marL="228600" lvl="0" indent="-228600" algn="l" rtl="0">
-              <a:spcBef>
-                <a:spcPts val="0"/>
-              </a:spcBef>
-              <a:spcAft>
-                <a:spcPts val="0"/>
-              </a:spcAft>
+            <a:pPr marL="457200" lvl="0" indent="-292100" algn="l" rtl="0">
+              <a:spcBef>
+                <a:spcPts val="0"/>
+              </a:spcBef>
+              <a:spcAft>
+                <a:spcPts val="0"/>
+              </a:spcAft>
+              <a:buSzPts val="1000"/>
+              <a:buFont typeface="Montserrat"/>
               <a:buAutoNum type="arabicPeriod"/>
             </a:pPr>
-            <a:r>
-              <a:rPr lang="en-GB" sz="1000" b="1" dirty="0" smtClean="0">
-                <a:latin typeface="Montserrat"/>
-                <a:ea typeface="Montserrat"/>
-                <a:cs typeface="Montserrat"/>
-                <a:sym typeface="Montserrat"/>
-              </a:rPr>
-              <a:t>Best </a:t>
-            </a:r>
             <a:r>
               <a:rPr lang="en-GB" sz="1000" b="1" dirty="0">
                 <a:latin typeface="Montserrat"/>
@@ -15590,51 +15615,7 @@
                 <a:cs typeface="Montserrat"/>
                 <a:sym typeface="Montserrat"/>
               </a:rPr>
-              <a:t>model with highest f1 score of 87.91%, ROC_AUC score of 93.99% on test set and 98.71% on train set  is Random Forest Classifier with hyper parameter tuning using </a:t>
-            </a:r>
-            <a:r>
-              <a:rPr lang="en-GB" sz="1000" b="1" dirty="0" err="1" smtClean="0">
-                <a:latin typeface="Montserrat"/>
-                <a:ea typeface="Montserrat"/>
-                <a:cs typeface="Montserrat"/>
-                <a:sym typeface="Montserrat"/>
-              </a:rPr>
-              <a:t>GridSearchCV</a:t>
-            </a:r>
-            <a:endParaRPr lang="en-GB" sz="1000" b="1" dirty="0">
-              <a:latin typeface="Montserrat"/>
-              <a:ea typeface="Montserrat"/>
-              <a:cs typeface="Montserrat"/>
-              <a:sym typeface="Montserrat"/>
-            </a:endParaRPr>
-          </a:p>
-          <a:p>
-            <a:pPr marL="228600" lvl="0" indent="-228600" algn="l" rtl="0">
-              <a:spcBef>
-                <a:spcPts val="0"/>
-              </a:spcBef>
-              <a:spcAft>
-                <a:spcPts val="0"/>
-              </a:spcAft>
-              <a:buAutoNum type="arabicPeriod"/>
-            </a:pPr>
-            <a:r>
-              <a:rPr lang="en-GB" sz="1000" b="1" dirty="0" smtClean="0">
-                <a:latin typeface="Montserrat"/>
-                <a:ea typeface="Montserrat"/>
-                <a:cs typeface="Montserrat"/>
-                <a:sym typeface="Montserrat"/>
-              </a:rPr>
-              <a:t>All </a:t>
-            </a:r>
-            <a:r>
-              <a:rPr lang="en-GB" sz="1000" b="1" dirty="0">
-                <a:latin typeface="Montserrat"/>
-                <a:ea typeface="Montserrat"/>
-                <a:cs typeface="Montserrat"/>
-                <a:sym typeface="Montserrat"/>
-              </a:rPr>
-              <a:t>model performed well but SMOTE implementation equalise both true label and false label.</a:t>
+              <a:t>All model performed well but SMOTE implementation equalise both true label and false label.</a:t>
             </a:r>
             <a:endParaRPr sz="1000" b="1" dirty="0">
               <a:latin typeface="Montserrat"/>
@@ -16748,7 +16729,7 @@
                 <a:cs typeface="Montserrat"/>
                 <a:sym typeface="Montserrat"/>
               </a:rPr>
-              <a:t>Logistic Regession Model</a:t>
+              <a:t>Logistic Regression Model</a:t>
             </a:r>
             <a:endParaRPr sz="1300">
               <a:latin typeface="Montserrat"/>
@@ -17734,7 +17715,7 @@
               <a:t>Best model with highest f1 score of 88.27%, ROC_AUC score of 98.70% on train set and 94.25% on test set  is Random Forest Classifier with hyper parameter tuning using </a:t>
             </a:r>
             <a:r>
-              <a:rPr lang="en-GB" sz="1000" b="1" dirty="0" err="1" smtClean="0">
+              <a:rPr lang="en-GB" sz="1000" b="1" dirty="0" err="1">
                 <a:latin typeface="Montserrat"/>
                 <a:ea typeface="Montserrat"/>
                 <a:cs typeface="Montserrat"/>
@@ -17742,15 +17723,6 @@
               </a:rPr>
               <a:t>GridSearchCV</a:t>
             </a:r>
-            <a:r>
-              <a:rPr lang="en-GB" sz="1000" b="1" dirty="0" smtClean="0">
-                <a:latin typeface="Montserrat"/>
-                <a:ea typeface="Montserrat"/>
-                <a:cs typeface="Montserrat"/>
-                <a:sym typeface="Montserrat"/>
-              </a:rPr>
-              <a:t>.</a:t>
-            </a:r>
             <a:endParaRPr lang="en-GB" sz="1000" b="1" dirty="0">
               <a:latin typeface="Montserrat"/>
               <a:ea typeface="Montserrat"/>
@@ -17771,22 +17743,13 @@
               <a:buAutoNum type="arabicPeriod"/>
             </a:pPr>
             <a:r>
-              <a:rPr lang="en-GB" sz="1000" b="1" dirty="0" smtClean="0">
-                <a:latin typeface="Montserrat"/>
-                <a:ea typeface="Montserrat"/>
-                <a:cs typeface="Montserrat"/>
-                <a:sym typeface="Montserrat"/>
-              </a:rPr>
-              <a:t>All </a:t>
-            </a:r>
-            <a:r>
               <a:rPr lang="en-GB" sz="1000" b="1" dirty="0">
                 <a:latin typeface="Montserrat"/>
                 <a:ea typeface="Montserrat"/>
                 <a:cs typeface="Montserrat"/>
                 <a:sym typeface="Montserrat"/>
               </a:rPr>
-              <a:t>model performed well as </a:t>
+              <a:t>All model performed well as </a:t>
             </a:r>
             <a:r>
               <a:rPr lang="en-GB" sz="1000" b="1" dirty="0" err="1">
@@ -19782,7 +19745,7 @@
         <p:spPr>
           <a:xfrm>
             <a:off x="692125" y="773550"/>
-            <a:ext cx="7477800" cy="4587000"/>
+            <a:ext cx="7477800" cy="4386900"/>
           </a:xfrm>
           <a:prstGeom prst="rect">
             <a:avLst/>
@@ -19861,7 +19824,7 @@
                 <a:cs typeface="Montserrat"/>
                 <a:sym typeface="Montserrat"/>
               </a:rPr>
-              <a:t>People who did not have vehicle damage in the past needed to be guided more to purchase policy.</a:t>
+              <a:t>Policyholders who did not had vehicle damage in the past needed to be guided more to purchase policy.</a:t>
             </a:r>
             <a:endParaRPr sz="1300" b="1">
               <a:latin typeface="Montserrat"/>
@@ -19917,7 +19880,7 @@
                 <a:cs typeface="Montserrat"/>
                 <a:sym typeface="Montserrat"/>
               </a:rPr>
-              <a:t>Regions generating less than 8% conversion rate in terms of customer policy purchase interest must focus on increasing brand presence in their respective region.</a:t>
+              <a:t>Regions generating less than 8% conversion rate must focus on increasing brand presence in their respective region.</a:t>
             </a:r>
             <a:endParaRPr sz="1300" b="1">
               <a:latin typeface="Montserrat"/>
